--- a/angular_training.pptx
+++ b/angular_training.pptx
@@ -1406,6 +1406,90 @@
 </file>
 
 <file path=ppt/notesSlides/notesSlide11.xml><?xml version="1.0" encoding="utf-8"?>
+<p:notes xmlns:a="http://schemas.openxmlformats.org/drawingml/2006/main" xmlns:r="http://schemas.openxmlformats.org/officeDocument/2006/relationships" xmlns:p="http://schemas.openxmlformats.org/presentationml/2006/main">
+  <p:cSld>
+    <p:spTree>
+      <p:nvGrpSpPr>
+        <p:cNvPr id="1" name=""/>
+        <p:cNvGrpSpPr/>
+        <p:nvPr/>
+      </p:nvGrpSpPr>
+      <p:grpSpPr>
+        <a:xfrm>
+          <a:off x="0" y="0"/>
+          <a:ext cx="0" cy="0"/>
+          <a:chOff x="0" y="0"/>
+          <a:chExt cx="0" cy="0"/>
+        </a:xfrm>
+      </p:grpSpPr>
+      <p:sp>
+        <p:nvSpPr>
+          <p:cNvPr id="2" name="Marcador de imagen de diapositiva 1"/>
+          <p:cNvSpPr>
+            <a:spLocks noGrp="1" noRot="1" noChangeAspect="1"/>
+          </p:cNvSpPr>
+          <p:nvPr>
+            <p:ph type="sldImg"/>
+          </p:nvPr>
+        </p:nvSpPr>
+        <p:spPr/>
+      </p:sp>
+      <p:sp>
+        <p:nvSpPr>
+          <p:cNvPr id="3" name="Marcador de notas 2"/>
+          <p:cNvSpPr>
+            <a:spLocks noGrp="1"/>
+          </p:cNvSpPr>
+          <p:nvPr>
+            <p:ph type="body" idx="1"/>
+          </p:nvPr>
+        </p:nvSpPr>
+        <p:spPr/>
+        <p:txBody>
+          <a:bodyPr/>
+          <a:lstStyle/>
+          <a:p>
+            <a:endParaRPr lang="es-ES" dirty="0"/>
+          </a:p>
+        </p:txBody>
+      </p:sp>
+      <p:sp>
+        <p:nvSpPr>
+          <p:cNvPr id="4" name="Marcador de número de diapositiva 3"/>
+          <p:cNvSpPr>
+            <a:spLocks noGrp="1"/>
+          </p:cNvSpPr>
+          <p:nvPr>
+            <p:ph type="sldNum" sz="quarter" idx="5"/>
+          </p:nvPr>
+        </p:nvSpPr>
+        <p:spPr/>
+        <p:txBody>
+          <a:bodyPr/>
+          <a:lstStyle/>
+          <a:p>
+            <a:fld id="{8B3ADA00-5B67-4B9C-89ED-1E9D7FAFE259}" type="slidenum">
+              <a:rPr lang="es-ES" smtClean="0"/>
+              <a:t>12</a:t>
+            </a:fld>
+            <a:endParaRPr lang="es-ES"/>
+          </a:p>
+        </p:txBody>
+      </p:sp>
+    </p:spTree>
+    <p:extLst>
+      <p:ext uri="{BB962C8B-B14F-4D97-AF65-F5344CB8AC3E}">
+        <p14:creationId xmlns:p14="http://schemas.microsoft.com/office/powerpoint/2010/main" val="2812372961"/>
+      </p:ext>
+    </p:extLst>
+  </p:cSld>
+  <p:clrMapOvr>
+    <a:masterClrMapping/>
+  </p:clrMapOvr>
+</p:notes>
+</file>
+
+<file path=ppt/notesSlides/notesSlide12.xml><?xml version="1.0" encoding="utf-8"?>
 <p:notes xmlns:a="http://schemas.openxmlformats.org/drawingml/2006/main" xmlns:r="http://schemas.openxmlformats.org/officeDocument/2006/relationships" xmlns:p="http://schemas.openxmlformats.org/presentationml/2006/main">
   <p:cSld>
     <p:spTree>
@@ -9386,7 +9470,7 @@
     <p:bg>
       <p:bgPr>
         <a:solidFill>
-          <a:schemeClr val="bg1"/>
+          <a:schemeClr val="bg2"/>
         </a:solidFill>
         <a:effectLst/>
       </p:bgPr>
@@ -9405,64 +9489,6 @@
           <a:chExt cx="0" cy="0"/>
         </a:xfrm>
       </p:grpSpPr>
-      <p:sp>
-        <p:nvSpPr>
-          <p:cNvPr id="10" name="Isosceles Triangle 9">
-            <a:extLst>
-              <a:ext uri="{FF2B5EF4-FFF2-40B4-BE49-F238E27FC236}">
-                <a16:creationId xmlns:a16="http://schemas.microsoft.com/office/drawing/2014/main" id="{5A7802B6-FF37-40CF-A7E2-6F2A0D9A91EF}"/>
-              </a:ext>
-              <a:ext uri="{C183D7F6-B498-43B3-948B-1728B52AA6E4}">
-                <adec:decorative xmlns:adec="http://schemas.microsoft.com/office/drawing/2017/decorative" val="1"/>
-              </a:ext>
-            </a:extLst>
-          </p:cNvPr>
-          <p:cNvSpPr>
-            <a:spLocks noGrp="1" noRot="1" noChangeAspect="1" noMove="1" noResize="1" noEditPoints="1" noAdjustHandles="1" noChangeArrowheads="1" noChangeShapeType="1" noTextEdit="1"/>
-          </p:cNvSpPr>
-          <p:nvPr>
-            <p:extLst>
-              <p:ext uri="{386F3935-93C4-4BCD-93E2-E3B085C9AB24}">
-                <p16:designElem xmlns:p16="http://schemas.microsoft.com/office/powerpoint/2015/main" val="1"/>
-              </p:ext>
-            </p:extLst>
-          </p:nvPr>
-        </p:nvSpPr>
-        <p:spPr>
-          <a:xfrm rot="10800000">
-            <a:off x="3174" y="12700"/>
-            <a:ext cx="842596" cy="5666154"/>
-          </a:xfrm>
-          <a:prstGeom prst="triangle">
-            <a:avLst>
-              <a:gd name="adj" fmla="val 100000"/>
-            </a:avLst>
-          </a:prstGeom>
-          <a:solidFill>
-            <a:schemeClr val="accent1">
-              <a:alpha val="85000"/>
-            </a:schemeClr>
-          </a:solidFill>
-          <a:ln>
-            <a:noFill/>
-          </a:ln>
-          <a:effectLst/>
-        </p:spPr>
-        <p:style>
-          <a:lnRef idx="1">
-            <a:schemeClr val="accent1"/>
-          </a:lnRef>
-          <a:fillRef idx="3">
-            <a:schemeClr val="accent1"/>
-          </a:fillRef>
-          <a:effectRef idx="2">
-            <a:schemeClr val="accent1"/>
-          </a:effectRef>
-          <a:fontRef idx="minor">
-            <a:schemeClr val="lt1"/>
-          </a:fontRef>
-        </p:style>
-      </p:sp>
       <p:pic>
         <p:nvPicPr>
           <p:cNvPr id="7" name="Graphic 6">
@@ -9478,13 +9504,13 @@
           <p:nvPr/>
         </p:nvPicPr>
         <p:blipFill>
-          <a:blip r:embed="rId2">
+          <a:blip r:embed="rId3">
             <a:extLst>
               <a:ext uri="{28A0092B-C50C-407E-A947-70E740481C1C}">
                 <a14:useLocalDpi xmlns:a14="http://schemas.microsoft.com/office/drawing/2010/main" val="0"/>
               </a:ext>
               <a:ext uri="{96DAC541-7B7A-43D3-8B79-37D633B846F1}">
-                <asvg:svgBlip xmlns:asvg="http://schemas.microsoft.com/office/drawing/2016/SVG/main" r:embed="rId3"/>
+                <asvg:svgBlip xmlns:asvg="http://schemas.microsoft.com/office/drawing/2016/SVG/main" r:embed="rId4"/>
               </a:ext>
             </a:extLst>
           </a:blip>
@@ -9517,7 +9543,7 @@
           <p:nvPr/>
         </p:nvPicPr>
         <p:blipFill>
-          <a:blip r:embed="rId4">
+          <a:blip r:embed="rId5">
             <a:extLst>
               <a:ext uri="{28A0092B-C50C-407E-A947-70E740481C1C}">
                 <a14:useLocalDpi xmlns:a14="http://schemas.microsoft.com/office/drawing/2010/main" val="0"/>
@@ -9716,7 +9742,7 @@
           <p:nvPr/>
         </p:nvPicPr>
         <p:blipFill>
-          <a:blip r:embed="rId5"/>
+          <a:blip r:embed="rId6"/>
           <a:stretch>
             <a:fillRect/>
           </a:stretch>
@@ -9739,7 +9765,7 @@
     </p:extLst>
   </p:cSld>
   <p:clrMapOvr>
-    <a:masterClrMapping/>
+    <a:overrideClrMapping bg1="dk1" tx1="lt1" bg2="dk2" tx2="lt2" accent1="accent1" accent2="accent2" accent3="accent3" accent4="accent4" accent5="accent5" accent6="accent6" hlink="hlink" folHlink="folHlink"/>
   </p:clrMapOvr>
   <mc:AlternateContent xmlns:mc="http://schemas.openxmlformats.org/markup-compatibility/2006" xmlns:p14="http://schemas.microsoft.com/office/powerpoint/2010/main">
     <mc:Choice Requires="p14">
@@ -10963,7 +10989,7 @@
             </a:pPr>
             <a:r>
               <a:rPr lang="es-ES" sz="2000" dirty="0">
-                <a:hlinkClick r:id="rId2"/>
+                <a:hlinkClick r:id="rId3"/>
               </a:rPr>
               <a:t>https://nodejs.org/en/</a:t>
             </a:r>
@@ -11142,7 +11168,7 @@
             </a:pPr>
             <a:r>
               <a:rPr lang="es-ES" sz="1800" dirty="0">
-                <a:hlinkClick r:id="rId3"/>
+                <a:hlinkClick r:id="rId4"/>
               </a:rPr>
               <a:t>https://code.visualstudio.com/</a:t>
             </a:r>
@@ -11547,7 +11573,7 @@
         <p:spPr>
           <a:xfrm>
             <a:off x="838200" y="1271163"/>
-            <a:ext cx="9307286" cy="3693319"/>
+            <a:ext cx="9307286" cy="3970318"/>
           </a:xfrm>
           <a:prstGeom prst="rect">
             <a:avLst/>
@@ -12021,7 +12047,87 @@
               <a:buFont typeface="Arial" panose="020B0604020202020204" pitchFamily="34" charset="0"/>
               <a:buChar char="•"/>
             </a:pPr>
-            <a:endParaRPr lang="es-ES" dirty="0"/>
+            <a:r>
+              <a:rPr lang="es-ES" dirty="0"/>
+              <a:t>Note: Set Powershell </a:t>
+            </a:r>
+            <a:r>
+              <a:rPr lang="es-ES" dirty="0" err="1"/>
+              <a:t>execution</a:t>
+            </a:r>
+            <a:r>
+              <a:rPr lang="es-ES" dirty="0"/>
+              <a:t> </a:t>
+            </a:r>
+            <a:r>
+              <a:rPr lang="es-ES" dirty="0" err="1"/>
+              <a:t>policy</a:t>
+            </a:r>
+            <a:r>
+              <a:rPr lang="es-ES" dirty="0"/>
+              <a:t> </a:t>
+            </a:r>
+            <a:r>
+              <a:rPr lang="es-ES" dirty="0" err="1"/>
+              <a:t>to</a:t>
+            </a:r>
+            <a:r>
+              <a:rPr lang="es-ES" dirty="0"/>
+              <a:t> </a:t>
+            </a:r>
+            <a:r>
+              <a:rPr lang="es-ES" dirty="0" err="1"/>
+              <a:t>unrestricted</a:t>
+            </a:r>
+            <a:r>
+              <a:rPr lang="es-ES" dirty="0"/>
+              <a:t>: </a:t>
+            </a:r>
+            <a:r>
+              <a:rPr lang="es-ES" dirty="0">
+                <a:highlight>
+                  <a:srgbClr val="000000"/>
+                </a:highlight>
+              </a:rPr>
+              <a:t>&gt; </a:t>
+            </a:r>
+            <a:r>
+              <a:rPr lang="es-ES" b="1" i="1" dirty="0">
+                <a:highlight>
+                  <a:srgbClr val="000000"/>
+                </a:highlight>
+              </a:rPr>
+              <a:t>Set-</a:t>
+            </a:r>
+            <a:r>
+              <a:rPr lang="es-ES" b="1" i="1" dirty="0" err="1">
+                <a:highlight>
+                  <a:srgbClr val="000000"/>
+                </a:highlight>
+              </a:rPr>
+              <a:t>ExecutionPolicy</a:t>
+            </a:r>
+            <a:r>
+              <a:rPr lang="es-ES" b="1" i="1" dirty="0">
+                <a:highlight>
+                  <a:srgbClr val="000000"/>
+                </a:highlight>
+              </a:rPr>
+              <a:t> </a:t>
+            </a:r>
+            <a:r>
+              <a:rPr lang="es-ES" b="1" i="1" dirty="0" err="1">
+                <a:highlight>
+                  <a:srgbClr val="000000"/>
+                </a:highlight>
+              </a:rPr>
+              <a:t>Unrestricted</a:t>
+            </a:r>
+            <a:endParaRPr lang="es-ES" dirty="0">
+              <a:highlight>
+                <a:srgbClr val="000000"/>
+              </a:highlight>
+            </a:endParaRPr>
           </a:p>
         </p:txBody>
       </p:sp>
@@ -12053,6 +12159,14 @@
 <file path=ppt/slides/slide14.xml><?xml version="1.0" encoding="utf-8"?>
 <p:sld xmlns:a="http://schemas.openxmlformats.org/drawingml/2006/main" xmlns:r="http://schemas.openxmlformats.org/officeDocument/2006/relationships" xmlns:p="http://schemas.openxmlformats.org/presentationml/2006/main">
   <p:cSld>
+    <p:bg>
+      <p:bgPr>
+        <a:solidFill>
+          <a:schemeClr val="bg2"/>
+        </a:solidFill>
+        <a:effectLst/>
+      </p:bgPr>
+    </p:bg>
     <p:spTree>
       <p:nvGrpSpPr>
         <p:cNvPr id="1" name=""/>
@@ -12182,28 +12296,6 @@
             </a:pPr>
             <a:r>
               <a:rPr lang="es-ES" dirty="0">
-                <a:hlinkClick r:id="rId3">
-                  <a:extLst>
-                    <a:ext uri="{A12FA001-AC4F-418D-AE19-62706E023703}">
-                      <ahyp:hlinkClr xmlns:ahyp="http://schemas.microsoft.com/office/drawing/2018/hyperlinkcolor" val="tx"/>
-                    </a:ext>
-                  </a:extLst>
-                </a:hlinkClick>
-              </a:rPr>
-              <a:t>https://blog.strongbrew.io/A-scalable-angular2-architecture/</a:t>
-            </a:r>
-            <a:endParaRPr lang="es-ES" dirty="0"/>
-          </a:p>
-          <a:p>
-            <a:endParaRPr lang="es-ES" dirty="0"/>
-          </a:p>
-          <a:p>
-            <a:pPr marL="285750" indent="-285750">
-              <a:buFont typeface="Arial" panose="020B0604020202020204" pitchFamily="34" charset="0"/>
-              <a:buChar char="•"/>
-            </a:pPr>
-            <a:r>
-              <a:rPr lang="es-ES" dirty="0">
                 <a:hlinkClick r:id="rId4">
                   <a:extLst>
                     <a:ext uri="{A12FA001-AC4F-418D-AE19-62706E023703}">
@@ -12212,7 +12304,7 @@
                   </a:extLst>
                 </a:hlinkClick>
               </a:rPr>
-              <a:t>https://angular-academy.com/angular-architecture-best-practices/</a:t>
+              <a:t>https://blog.strongbrew.io/A-scalable-angular2-architecture/</a:t>
             </a:r>
             <a:endParaRPr lang="es-ES" dirty="0"/>
           </a:p>
@@ -12227,6 +12319,28 @@
             <a:r>
               <a:rPr lang="es-ES" dirty="0">
                 <a:hlinkClick r:id="rId5">
+                  <a:extLst>
+                    <a:ext uri="{A12FA001-AC4F-418D-AE19-62706E023703}">
+                      <ahyp:hlinkClr xmlns:ahyp="http://schemas.microsoft.com/office/drawing/2018/hyperlinkcolor" val="tx"/>
+                    </a:ext>
+                  </a:extLst>
+                </a:hlinkClick>
+              </a:rPr>
+              <a:t>https://angular-academy.com/angular-architecture-best-practices/</a:t>
+            </a:r>
+            <a:endParaRPr lang="es-ES" dirty="0"/>
+          </a:p>
+          <a:p>
+            <a:endParaRPr lang="es-ES" dirty="0"/>
+          </a:p>
+          <a:p>
+            <a:pPr marL="285750" indent="-285750">
+              <a:buFont typeface="Arial" panose="020B0604020202020204" pitchFamily="34" charset="0"/>
+              <a:buChar char="•"/>
+            </a:pPr>
+            <a:r>
+              <a:rPr lang="es-ES" dirty="0">
+                <a:hlinkClick r:id="rId6">
                   <a:extLst>
                     <a:ext uri="{A12FA001-AC4F-418D-AE19-62706E023703}">
                       <ahyp:hlinkClr xmlns:ahyp="http://schemas.microsoft.com/office/drawing/2018/hyperlinkcolor" val="tx"/>
@@ -12248,7 +12362,7 @@
     </p:extLst>
   </p:cSld>
   <p:clrMapOvr>
-    <a:masterClrMapping/>
+    <a:overrideClrMapping bg1="dk1" tx1="lt1" bg2="dk2" tx2="lt2" accent1="accent1" accent2="accent2" accent3="accent3" accent4="accent4" accent5="accent5" accent6="accent6" hlink="hlink" folHlink="folHlink"/>
   </p:clrMapOvr>
   <mc:AlternateContent xmlns:mc="http://schemas.openxmlformats.org/markup-compatibility/2006" xmlns:p14="http://schemas.microsoft.com/office/powerpoint/2010/main">
     <mc:Choice Requires="p14">
@@ -21955,6 +22069,92 @@
 </a:themeOverride>
 </file>
 
+<file path=ppt/theme/themeOverride11.xml><?xml version="1.0" encoding="utf-8"?>
+<a:themeOverride xmlns:a="http://schemas.openxmlformats.org/drawingml/2006/main">
+  <a:clrScheme name="Faceta">
+    <a:dk1>
+      <a:sysClr val="windowText" lastClr="000000"/>
+    </a:dk1>
+    <a:lt1>
+      <a:sysClr val="window" lastClr="FFFFFF"/>
+    </a:lt1>
+    <a:dk2>
+      <a:srgbClr val="2C3C43"/>
+    </a:dk2>
+    <a:lt2>
+      <a:srgbClr val="EBEBEB"/>
+    </a:lt2>
+    <a:accent1>
+      <a:srgbClr val="90C226"/>
+    </a:accent1>
+    <a:accent2>
+      <a:srgbClr val="54A021"/>
+    </a:accent2>
+    <a:accent3>
+      <a:srgbClr val="E6B91E"/>
+    </a:accent3>
+    <a:accent4>
+      <a:srgbClr val="E76618"/>
+    </a:accent4>
+    <a:accent5>
+      <a:srgbClr val="C42F1A"/>
+    </a:accent5>
+    <a:accent6>
+      <a:srgbClr val="918655"/>
+    </a:accent6>
+    <a:hlink>
+      <a:srgbClr val="99CA3C"/>
+    </a:hlink>
+    <a:folHlink>
+      <a:srgbClr val="B9D181"/>
+    </a:folHlink>
+  </a:clrScheme>
+</a:themeOverride>
+</file>
+
+<file path=ppt/theme/themeOverride12.xml><?xml version="1.0" encoding="utf-8"?>
+<a:themeOverride xmlns:a="http://schemas.openxmlformats.org/drawingml/2006/main">
+  <a:clrScheme name="Faceta">
+    <a:dk1>
+      <a:sysClr val="windowText" lastClr="000000"/>
+    </a:dk1>
+    <a:lt1>
+      <a:sysClr val="window" lastClr="FFFFFF"/>
+    </a:lt1>
+    <a:dk2>
+      <a:srgbClr val="2C3C43"/>
+    </a:dk2>
+    <a:lt2>
+      <a:srgbClr val="EBEBEB"/>
+    </a:lt2>
+    <a:accent1>
+      <a:srgbClr val="90C226"/>
+    </a:accent1>
+    <a:accent2>
+      <a:srgbClr val="54A021"/>
+    </a:accent2>
+    <a:accent3>
+      <a:srgbClr val="E6B91E"/>
+    </a:accent3>
+    <a:accent4>
+      <a:srgbClr val="E76618"/>
+    </a:accent4>
+    <a:accent5>
+      <a:srgbClr val="C42F1A"/>
+    </a:accent5>
+    <a:accent6>
+      <a:srgbClr val="918655"/>
+    </a:accent6>
+    <a:hlink>
+      <a:srgbClr val="99CA3C"/>
+    </a:hlink>
+    <a:folHlink>
+      <a:srgbClr val="B9D181"/>
+    </a:folHlink>
+  </a:clrScheme>
+</a:themeOverride>
+</file>
+
 <file path=ppt/theme/themeOverride2.xml><?xml version="1.0" encoding="utf-8"?>
 <a:themeOverride xmlns:a="http://schemas.openxmlformats.org/drawingml/2006/main">
   <a:clrScheme name="Faceta">
